--- a/Experimental Design_DSCI_618_Final_Project.pptx
+++ b/Experimental Design_DSCI_618_Final_Project.pptx
@@ -349,7 +349,7 @@
           <a:p>
             <a:fld id="{C452ADB1-275D-430A-89EE-5C7E6CFF6FF2}" type="datetimeFigureOut">
               <a:rPr lang="en-US" smtClean="0"/>
-              <a:t>5/1/2021</a:t>
+              <a:t>7/28/2021</a:t>
             </a:fld>
             <a:endParaRPr lang="en-US" dirty="0"/>
           </a:p>
@@ -9409,7 +9409,7 @@
           <a:p>
             <a:fld id="{7005E26E-BCB2-4FD5-8FD5-81A5EAE94C21}" type="datetime1">
               <a:rPr lang="en-US" smtClean="0"/>
-              <a:t>5/1/2021</a:t>
+              <a:t>7/28/2021</a:t>
             </a:fld>
             <a:endParaRPr lang="en-US" dirty="0"/>
           </a:p>
@@ -9611,7 +9611,7 @@
           <a:p>
             <a:fld id="{9CC2E9B8-0487-42E4-B571-744A3D775783}" type="datetime1">
               <a:rPr lang="en-US" smtClean="0"/>
-              <a:t>5/1/2021</a:t>
+              <a:t>7/28/2021</a:t>
             </a:fld>
             <a:endParaRPr lang="en-US" dirty="0"/>
           </a:p>
@@ -9786,7 +9786,7 @@
           <a:p>
             <a:fld id="{9052E32D-1E84-43FD-8158-FFFE757EB0E8}" type="datetime1">
               <a:rPr lang="en-US" smtClean="0"/>
-              <a:t>5/1/2021</a:t>
+              <a:t>7/28/2021</a:t>
             </a:fld>
             <a:endParaRPr lang="en-US" dirty="0"/>
           </a:p>
@@ -9986,7 +9986,7 @@
           <a:p>
             <a:fld id="{8585C470-CD19-455C-B830-6D252EAD7FE5}" type="datetime1">
               <a:rPr lang="en-US" smtClean="0"/>
-              <a:t>5/1/2021</a:t>
+              <a:t>7/28/2021</a:t>
             </a:fld>
             <a:endParaRPr lang="en-US" dirty="0"/>
           </a:p>
@@ -18879,7 +18879,7 @@
           <a:p>
             <a:fld id="{7F85C43C-50D9-4F49-A136-0EFF292F93ED}" type="datetime1">
               <a:rPr lang="en-US" smtClean="0"/>
-              <a:t>5/1/2021</a:t>
+              <a:t>7/28/2021</a:t>
             </a:fld>
             <a:endParaRPr lang="en-US" dirty="0"/>
           </a:p>
@@ -19148,7 +19148,7 @@
           <a:p>
             <a:fld id="{7B53B1A3-0AEF-4064-A724-D27D660C8653}" type="datetime1">
               <a:rPr lang="en-US" smtClean="0"/>
-              <a:t>5/1/2021</a:t>
+              <a:t>7/28/2021</a:t>
             </a:fld>
             <a:endParaRPr lang="en-US" dirty="0"/>
           </a:p>
@@ -19541,7 +19541,7 @@
           <a:p>
             <a:fld id="{37D5D0F2-BF66-4A24-9384-A0129B196518}" type="datetime1">
               <a:rPr lang="en-US" smtClean="0"/>
-              <a:t>5/1/2021</a:t>
+              <a:t>7/28/2021</a:t>
             </a:fld>
             <a:endParaRPr lang="en-US" dirty="0"/>
           </a:p>
@@ -19654,7 +19654,7 @@
           <a:p>
             <a:fld id="{8C318A6C-4F6B-48D2-BDB0-D7413B3FDB0A}" type="datetime1">
               <a:rPr lang="en-US" smtClean="0"/>
-              <a:t>5/1/2021</a:t>
+              <a:t>7/28/2021</a:t>
             </a:fld>
             <a:endParaRPr lang="en-US" dirty="0"/>
           </a:p>
@@ -19744,7 +19744,7 @@
           <a:p>
             <a:fld id="{BF01ECED-6ECE-4989-B917-9D4D7E6D3C76}" type="datetime1">
               <a:rPr lang="en-US" smtClean="0"/>
-              <a:t>5/1/2021</a:t>
+              <a:t>7/28/2021</a:t>
             </a:fld>
             <a:endParaRPr lang="en-US" dirty="0"/>
           </a:p>
@@ -20029,7 +20029,7 @@
           <a:p>
             <a:fld id="{E3B570E1-CB40-488E-8C6F-EF4211DFFCB0}" type="datetime1">
               <a:rPr lang="en-US" smtClean="0"/>
-              <a:t>5/1/2021</a:t>
+              <a:t>7/28/2021</a:t>
             </a:fld>
             <a:endParaRPr lang="en-US" dirty="0"/>
           </a:p>
@@ -20304,7 +20304,7 @@
           <a:p>
             <a:fld id="{D1CEB6AF-9F5C-43BE-879E-CB9514111250}" type="datetime1">
               <a:rPr lang="en-US" smtClean="0"/>
-              <a:t>5/1/2021</a:t>
+              <a:t>7/28/2021</a:t>
             </a:fld>
             <a:endParaRPr lang="en-US" dirty="0"/>
           </a:p>
@@ -20549,7 +20549,7 @@
           <a:p>
             <a:fld id="{E7EE424C-FCA3-4EDD-B274-8E055D649B7D}" type="datetime1">
               <a:rPr lang="en-US" smtClean="0"/>
-              <a:t>5/1/2021</a:t>
+              <a:t>7/28/2021</a:t>
             </a:fld>
             <a:endParaRPr lang="en-US" dirty="0"/>
           </a:p>
@@ -21455,7 +21455,7 @@
                 <a:effectLst/>
                 <a:latin typeface="+mj-lt"/>
               </a:rPr>
-              <a:t>The new fertilizer would have significant yield impact than the current product (C)?</a:t>
+              <a:t>The new fertilizer would have a more significant impact on yield than the current product (C)?</a:t>
             </a:r>
           </a:p>
           <a:p>
@@ -21487,7 +21487,7 @@
                 <a:effectLst/>
                 <a:latin typeface="+mj-lt"/>
               </a:rPr>
-              <a:t>There would be significant difference between S and F on yield impact?</a:t>
+              <a:t>There would be a significant difference between S and F on yield impact?</a:t>
             </a:r>
             <a:endParaRPr lang="en-US" dirty="0">
               <a:latin typeface="+mj-lt"/>
@@ -21500,7 +21500,7 @@
                 <a:effectLst/>
                 <a:latin typeface="+mj-lt"/>
               </a:rPr>
-              <a:t>There would be significant difference between S and C on yield impact?</a:t>
+              <a:t>There would be a significant difference between S and C on yield impact?</a:t>
             </a:r>
             <a:endParaRPr lang="en-US" dirty="0">
               <a:latin typeface="+mj-lt"/>
@@ -21513,7 +21513,7 @@
                 <a:effectLst/>
                 <a:latin typeface="+mj-lt"/>
               </a:rPr>
-              <a:t>There would be significant difference between F and C on yield impact?</a:t>
+              <a:t>There would be a significant difference between F and C on yield impact?</a:t>
             </a:r>
           </a:p>
           <a:p>
@@ -21773,8 +21773,8 @@
           </a:xfrm>
         </p:spPr>
       </p:pic>
-      <mc:AlternateContent xmlns:mc="http://schemas.openxmlformats.org/markup-compatibility/2006">
-        <mc:Choice xmlns:p14="http://schemas.microsoft.com/office/powerpoint/2010/main" Requires="p14">
+      <mc:AlternateContent xmlns:mc="http://schemas.openxmlformats.org/markup-compatibility/2006" xmlns:p14="http://schemas.microsoft.com/office/powerpoint/2010/main">
+        <mc:Choice Requires="p14">
           <p:contentPart p14:bwMode="auto" r:id="rId4">
             <p14:nvContentPartPr>
               <p14:cNvPr id="9" name="Ink 8">
@@ -21793,7 +21793,7 @@
             </p14:xfrm>
           </p:contentPart>
         </mc:Choice>
-        <mc:Fallback>
+        <mc:Fallback xmlns="">
           <p:pic>
             <p:nvPicPr>
               <p:cNvPr id="9" name="Ink 8">
@@ -21824,8 +21824,8 @@
           </p:pic>
         </mc:Fallback>
       </mc:AlternateContent>
-      <mc:AlternateContent xmlns:mc="http://schemas.openxmlformats.org/markup-compatibility/2006">
-        <mc:Choice xmlns:p14="http://schemas.microsoft.com/office/powerpoint/2010/main" Requires="p14">
+      <mc:AlternateContent xmlns:mc="http://schemas.openxmlformats.org/markup-compatibility/2006" xmlns:p14="http://schemas.microsoft.com/office/powerpoint/2010/main">
+        <mc:Choice Requires="p14">
           <p:contentPart p14:bwMode="auto" r:id="rId6">
             <p14:nvContentPartPr>
               <p14:cNvPr id="10" name="Ink 9">
@@ -21844,7 +21844,7 @@
             </p14:xfrm>
           </p:contentPart>
         </mc:Choice>
-        <mc:Fallback>
+        <mc:Fallback xmlns="">
           <p:pic>
             <p:nvPicPr>
               <p:cNvPr id="10" name="Ink 9">
@@ -22068,8 +22068,8 @@
           </a:prstGeom>
         </p:spPr>
       </p:pic>
-      <mc:AlternateContent xmlns:mc="http://schemas.openxmlformats.org/markup-compatibility/2006">
-        <mc:Choice xmlns:p14="http://schemas.microsoft.com/office/powerpoint/2010/main" Requires="p14">
+      <mc:AlternateContent xmlns:mc="http://schemas.openxmlformats.org/markup-compatibility/2006" xmlns:p14="http://schemas.microsoft.com/office/powerpoint/2010/main">
+        <mc:Choice Requires="p14">
           <p:contentPart p14:bwMode="auto" r:id="rId3">
             <p14:nvContentPartPr>
               <p14:cNvPr id="8" name="Ink 7">
@@ -22088,7 +22088,7 @@
             </p14:xfrm>
           </p:contentPart>
         </mc:Choice>
-        <mc:Fallback>
+        <mc:Fallback xmlns="">
           <p:pic>
             <p:nvPicPr>
               <p:cNvPr id="8" name="Ink 7">
@@ -22318,8 +22318,8 @@
           </a:xfrm>
         </p:spPr>
       </p:pic>
-      <mc:AlternateContent xmlns:mc="http://schemas.openxmlformats.org/markup-compatibility/2006">
-        <mc:Choice xmlns:p14="http://schemas.microsoft.com/office/powerpoint/2010/main" Requires="p14">
+      <mc:AlternateContent xmlns:mc="http://schemas.openxmlformats.org/markup-compatibility/2006" xmlns:p14="http://schemas.microsoft.com/office/powerpoint/2010/main">
+        <mc:Choice Requires="p14">
           <p:contentPart p14:bwMode="auto" r:id="rId4">
             <p14:nvContentPartPr>
               <p14:cNvPr id="9" name="Ink 8">
@@ -22338,7 +22338,7 @@
             </p14:xfrm>
           </p:contentPart>
         </mc:Choice>
-        <mc:Fallback>
+        <mc:Fallback xmlns="">
           <p:pic>
             <p:nvPicPr>
               <p:cNvPr id="9" name="Ink 8">
@@ -22369,8 +22369,8 @@
           </p:pic>
         </mc:Fallback>
       </mc:AlternateContent>
-      <mc:AlternateContent xmlns:mc="http://schemas.openxmlformats.org/markup-compatibility/2006">
-        <mc:Choice xmlns:p14="http://schemas.microsoft.com/office/powerpoint/2010/main" Requires="p14">
+      <mc:AlternateContent xmlns:mc="http://schemas.openxmlformats.org/markup-compatibility/2006" xmlns:p14="http://schemas.microsoft.com/office/powerpoint/2010/main">
+        <mc:Choice Requires="p14">
           <p:contentPart p14:bwMode="auto" r:id="rId6">
             <p14:nvContentPartPr>
               <p14:cNvPr id="10" name="Ink 9">
@@ -22389,7 +22389,7 @@
             </p14:xfrm>
           </p:contentPart>
         </mc:Choice>
-        <mc:Fallback>
+        <mc:Fallback xmlns="">
           <p:pic>
             <p:nvPicPr>
               <p:cNvPr id="10" name="Ink 9">
@@ -22803,29 +22803,42 @@
           <a:bodyPr/>
           <a:lstStyle/>
           <a:p>
+            <a:pPr>
+              <a:lnSpc>
+                <a:spcPct val="70000"/>
+              </a:lnSpc>
+            </a:pPr>
             <a:r>
-              <a:rPr lang="en-US" dirty="0"/>
+              <a:rPr lang="en-US" sz="2000" dirty="0">
+                <a:latin typeface="+mj-lt"/>
+              </a:rPr>
               <a:t>We draw the following conclusions from this experiment:</a:t>
             </a:r>
           </a:p>
           <a:p>
             <a:pPr lvl="1"/>
             <a:r>
-              <a:rPr lang="en-US" dirty="0"/>
+              <a:rPr lang="en-US" sz="1700" dirty="0">
+                <a:latin typeface="+mj-lt"/>
+              </a:rPr>
               <a:t>Formulas F, S and C all differ significantly from each other in their effect on yield.</a:t>
             </a:r>
           </a:p>
           <a:p>
             <a:pPr lvl="1"/>
             <a:r>
-              <a:rPr lang="en-US" dirty="0"/>
+              <a:rPr lang="en-US" sz="1700" dirty="0">
+                <a:latin typeface="+mj-lt"/>
+              </a:rPr>
               <a:t>Formula F and S are similar to formula C across fields. They behave congruently; however, the yield is significantly higher under formula S, and significantly lower under formula F. </a:t>
             </a:r>
           </a:p>
           <a:p>
             <a:pPr lvl="1"/>
             <a:r>
-              <a:rPr lang="en-US" dirty="0"/>
+              <a:rPr lang="en-US" sz="1700" dirty="0">
+                <a:latin typeface="+mj-lt"/>
+              </a:rPr>
               <a:t>Both formula and plant height are statistically significant factors. Therefore, ANCOVA is the preferred choice because by incorporating the plant height factor we can dramatically reduce our model’s error (the model is about 0.11 more accurate under ANCOVA).</a:t>
             </a:r>
           </a:p>
@@ -23412,12 +23425,11 @@
 </file>
 
 <file path=customXml/item1.xml><?xml version="1.0" encoding="utf-8"?>
-<?mso-contentType ?>
-<FormTemplates xmlns="http://schemas.microsoft.com/sharepoint/v3/contenttype/forms">
-  <Display>DocumentLibraryForm</Display>
-  <Edit>DocumentLibraryForm</Edit>
-  <New>DocumentLibraryForm</New>
-</FormTemplates>
+<p:properties xmlns:p="http://schemas.microsoft.com/office/2006/metadata/properties" xmlns:xsi="http://www.w3.org/2001/XMLSchema-instance" xmlns:pc="http://schemas.microsoft.com/office/infopath/2007/PartnerControls">
+  <documentManagement>
+    <MediaServiceKeyPoints xmlns="71af3243-3dd4-4a8d-8c0d-dd76da1f02a5" xsi:nil="true"/>
+  </documentManagement>
+</p:properties>
 </file>
 
 <file path=customXml/item2.xml><?xml version="1.0" encoding="utf-8"?>
@@ -23632,17 +23644,20 @@
 </file>
 
 <file path=customXml/item3.xml><?xml version="1.0" encoding="utf-8"?>
-<p:properties xmlns:p="http://schemas.microsoft.com/office/2006/metadata/properties" xmlns:xsi="http://www.w3.org/2001/XMLSchema-instance" xmlns:pc="http://schemas.microsoft.com/office/infopath/2007/PartnerControls">
-  <documentManagement>
-    <MediaServiceKeyPoints xmlns="71af3243-3dd4-4a8d-8c0d-dd76da1f02a5" xsi:nil="true"/>
-  </documentManagement>
-</p:properties>
+<?mso-contentType ?>
+<FormTemplates xmlns="http://schemas.microsoft.com/sharepoint/v3/contenttype/forms">
+  <Display>DocumentLibraryForm</Display>
+  <Edit>DocumentLibraryForm</Edit>
+  <New>DocumentLibraryForm</New>
+</FormTemplates>
 </file>
 
 <file path=customXml/itemProps1.xml><?xml version="1.0" encoding="utf-8"?>
-<ds:datastoreItem xmlns:ds="http://schemas.openxmlformats.org/officeDocument/2006/customXml" ds:itemID="{4F44C90D-2A62-4985-9618-3460247437B1}">
+<ds:datastoreItem xmlns:ds="http://schemas.openxmlformats.org/officeDocument/2006/customXml" ds:itemID="{788A2F88-55C5-4ED1-9541-807C65424763}">
   <ds:schemaRefs>
-    <ds:schemaRef ds:uri="http://schemas.microsoft.com/sharepoint/v3/contenttype/forms"/>
+    <ds:schemaRef ds:uri="http://schemas.microsoft.com/office/2006/metadata/properties"/>
+    <ds:schemaRef ds:uri="http://schemas.microsoft.com/office/infopath/2007/PartnerControls"/>
+    <ds:schemaRef ds:uri="71af3243-3dd4-4a8d-8c0d-dd76da1f02a5"/>
   </ds:schemaRefs>
 </ds:datastoreItem>
 </file>
@@ -23667,11 +23682,9 @@
 </file>
 
 <file path=customXml/itemProps3.xml><?xml version="1.0" encoding="utf-8"?>
-<ds:datastoreItem xmlns:ds="http://schemas.openxmlformats.org/officeDocument/2006/customXml" ds:itemID="{788A2F88-55C5-4ED1-9541-807C65424763}">
+<ds:datastoreItem xmlns:ds="http://schemas.openxmlformats.org/officeDocument/2006/customXml" ds:itemID="{4F44C90D-2A62-4985-9618-3460247437B1}">
   <ds:schemaRefs>
-    <ds:schemaRef ds:uri="http://schemas.microsoft.com/office/2006/metadata/properties"/>
-    <ds:schemaRef ds:uri="http://schemas.microsoft.com/office/infopath/2007/PartnerControls"/>
-    <ds:schemaRef ds:uri="71af3243-3dd4-4a8d-8c0d-dd76da1f02a5"/>
+    <ds:schemaRef ds:uri="http://schemas.microsoft.com/sharepoint/v3/contenttype/forms"/>
   </ds:schemaRefs>
 </ds:datastoreItem>
 </file>